--- a/TC/060 - Thoạt Đến Đêm Nọ.pptx
+++ b/TC/060 - Thoạt Đến Đêm Nọ.pptx
@@ -171,7 +171,7 @@
           </a:lstStyle>
           <a:p>
             <a:r>
-              <a:rPr lang="en-US" smtClean="0"/>
+              <a:rPr lang="en-US"/>
               <a:t>Click to edit Master title style</a:t>
             </a:r>
             <a:endParaRPr lang="en-US" dirty="0"/>
@@ -236,7 +236,7 @@
           </a:lstStyle>
           <a:p>
             <a:r>
-              <a:rPr lang="en-US" smtClean="0"/>
+              <a:rPr lang="en-US"/>
               <a:t>Click to edit Master subtitle style</a:t>
             </a:r>
             <a:endParaRPr lang="en-US" dirty="0"/>
@@ -267,7 +267,7 @@
                 </a:solidFill>
               </a:rPr>
               <a:pPr/>
-              <a:t>19/11/2013</a:t>
+              <a:t>Sun, 12/13/2020</a:t>
             </a:fld>
             <a:endParaRPr lang="en-US">
               <a:solidFill>
@@ -395,7 +395,7 @@
           </a:lstStyle>
           <a:p>
             <a:r>
-              <a:rPr lang="en-US" smtClean="0"/>
+              <a:rPr lang="en-US"/>
               <a:t>Click to edit Master title style</a:t>
             </a:r>
             <a:endParaRPr lang="en-US" dirty="0"/>
@@ -460,7 +460,7 @@
           </a:lstStyle>
           <a:p>
             <a:r>
-              <a:rPr lang="en-US" smtClean="0"/>
+              <a:rPr lang="en-US"/>
               <a:t>Click to edit Master subtitle style</a:t>
             </a:r>
             <a:endParaRPr lang="en-US" dirty="0"/>
@@ -491,7 +491,7 @@
                 </a:solidFill>
               </a:rPr>
               <a:pPr/>
-              <a:t>19/11/2013</a:t>
+              <a:t>Sun, 12/13/2020</a:t>
             </a:fld>
             <a:endParaRPr lang="en-US">
               <a:solidFill>
@@ -634,7 +634,7 @@
           <a:lstStyle/>
           <a:p>
             <a:r>
-              <a:rPr lang="en-US" smtClean="0"/>
+              <a:rPr lang="en-US"/>
               <a:t>Click to edit Master title style</a:t>
             </a:r>
             <a:endParaRPr lang="en-US" dirty="0"/>
@@ -668,35 +668,35 @@
           <a:p>
             <a:pPr lvl="0"/>
             <a:r>
-              <a:rPr lang="en-US" smtClean="0"/>
+              <a:rPr lang="en-US"/>
               <a:t>Click to edit Master text styles</a:t>
             </a:r>
           </a:p>
           <a:p>
             <a:pPr lvl="1"/>
             <a:r>
-              <a:rPr lang="en-US" smtClean="0"/>
+              <a:rPr lang="en-US"/>
               <a:t>Second level</a:t>
             </a:r>
           </a:p>
           <a:p>
             <a:pPr lvl="2"/>
             <a:r>
-              <a:rPr lang="en-US" smtClean="0"/>
+              <a:rPr lang="en-US"/>
               <a:t>Third level</a:t>
             </a:r>
           </a:p>
           <a:p>
             <a:pPr lvl="3"/>
             <a:r>
-              <a:rPr lang="en-US" smtClean="0"/>
+              <a:rPr lang="en-US"/>
               <a:t>Fourth level</a:t>
             </a:r>
           </a:p>
           <a:p>
             <a:pPr lvl="4"/>
             <a:r>
-              <a:rPr lang="en-US" smtClean="0"/>
+              <a:rPr lang="en-US"/>
               <a:t>Fifth level</a:t>
             </a:r>
             <a:endParaRPr lang="en-US" dirty="0"/>
@@ -745,7 +745,7 @@
                 </a:solidFill>
               </a:rPr>
               <a:pPr/>
-              <a:t>19/11/2013</a:t>
+              <a:t>Sun, 12/13/2020</a:t>
             </a:fld>
             <a:endParaRPr lang="en-US">
               <a:solidFill>
@@ -1205,7 +1205,7 @@
           <a:lstStyle/>
           <a:p>
             <a:r>
-              <a:rPr lang="en-US" smtClean="0"/>
+              <a:rPr lang="en-US"/>
               <a:t>Click to edit Master title style</a:t>
             </a:r>
             <a:endParaRPr lang="en-US" dirty="0"/>
@@ -1239,35 +1239,35 @@
           <a:p>
             <a:pPr lvl="0"/>
             <a:r>
-              <a:rPr lang="en-US" smtClean="0"/>
+              <a:rPr lang="en-US"/>
               <a:t>Click to edit Master text styles</a:t>
             </a:r>
           </a:p>
           <a:p>
             <a:pPr lvl="1"/>
             <a:r>
-              <a:rPr lang="en-US" smtClean="0"/>
+              <a:rPr lang="en-US"/>
               <a:t>Second level</a:t>
             </a:r>
           </a:p>
           <a:p>
             <a:pPr lvl="2"/>
             <a:r>
-              <a:rPr lang="en-US" smtClean="0"/>
+              <a:rPr lang="en-US"/>
               <a:t>Third level</a:t>
             </a:r>
           </a:p>
           <a:p>
             <a:pPr lvl="3"/>
             <a:r>
-              <a:rPr lang="en-US" smtClean="0"/>
+              <a:rPr lang="en-US"/>
               <a:t>Fourth level</a:t>
             </a:r>
           </a:p>
           <a:p>
             <a:pPr lvl="4"/>
             <a:r>
-              <a:rPr lang="en-US" smtClean="0"/>
+              <a:rPr lang="en-US"/>
               <a:t>Fifth level</a:t>
             </a:r>
             <a:endParaRPr lang="en-US" dirty="0"/>
@@ -1316,7 +1316,7 @@
                 </a:solidFill>
               </a:rPr>
               <a:pPr/>
-              <a:t>19/11/2013</a:t>
+              <a:t>Sun, 12/13/2020</a:t>
             </a:fld>
             <a:endParaRPr lang="en-US">
               <a:solidFill>
@@ -1760,7 +1760,7 @@
           <a:p>
             <a:pPr algn="ctr"/>
             <a:r>
-              <a:rPr lang="en-US" sz="7200" smtClean="0">
+              <a:rPr lang="en-US" sz="7200" b="1" dirty="0">
                 <a:solidFill>
                   <a:srgbClr val="C00000"/>
                 </a:solidFill>
@@ -1769,12 +1769,12 @@
                     <a:prstClr val="white"/>
                   </a:glow>
                 </a:effectLst>
-                <a:latin typeface="HP-Kabel" pitchFamily="34" charset="0"/>
+                <a:latin typeface="VNI-Univer" pitchFamily="2" charset="0"/>
               </a:rPr>
               <a:t>THOAÏT ÑEÁN </a:t>
             </a:r>
             <a:br>
-              <a:rPr lang="en-US" sz="7200" smtClean="0">
+              <a:rPr lang="en-US" sz="7200" b="1" dirty="0">
                 <a:solidFill>
                   <a:srgbClr val="C00000"/>
                 </a:solidFill>
@@ -1783,11 +1783,11 @@
                     <a:prstClr val="white"/>
                   </a:glow>
                 </a:effectLst>
-                <a:latin typeface="HP-Kabel" pitchFamily="34" charset="0"/>
+                <a:latin typeface="VNI-Univer" pitchFamily="2" charset="0"/>
               </a:rPr>
             </a:br>
             <a:r>
-              <a:rPr lang="en-US" sz="7200" smtClean="0">
+              <a:rPr lang="en-US" sz="7200" b="1" dirty="0">
                 <a:solidFill>
                   <a:srgbClr val="C00000"/>
                 </a:solidFill>
@@ -1796,7 +1796,7 @@
                     <a:prstClr val="white"/>
                   </a:glow>
                 </a:effectLst>
-                <a:latin typeface="HP-Kabel" pitchFamily="34" charset="0"/>
+                <a:latin typeface="VNI-Univer" pitchFamily="2" charset="0"/>
               </a:rPr>
               <a:t>ÑEÂM NOÏ</a:t>
             </a:r>
@@ -1827,7 +1827,7 @@
           <a:p>
             <a:pPr algn="ctr"/>
             <a:r>
-              <a:rPr lang="en-US" sz="3500" b="1">
+              <a:rPr lang="en-US" sz="3500" b="1" dirty="0">
                 <a:solidFill>
                   <a:prstClr val="black"/>
                 </a:solidFill>
@@ -1836,35 +1836,10 @@
                     <a:prstClr val="white"/>
                   </a:glow>
                 </a:effectLst>
-                <a:latin typeface="VNI-Bamas" pitchFamily="34" charset="0"/>
-              </a:rPr>
-              <a:t>TOÂN VINH CHUÙA  - THAÙNH CA </a:t>
-            </a:r>
-            <a:r>
-              <a:rPr lang="en-US" sz="3500" b="1" smtClean="0">
-                <a:solidFill>
-                  <a:prstClr val="black"/>
-                </a:solidFill>
-                <a:effectLst>
-                  <a:glow rad="127000">
-                    <a:prstClr val="white"/>
-                  </a:glow>
-                </a:effectLst>
-                <a:latin typeface="VNI-Bamas" pitchFamily="34" charset="0"/>
-              </a:rPr>
-              <a:t>60</a:t>
-            </a:r>
-            <a:endParaRPr lang="en-US" sz="3500" b="1">
-              <a:solidFill>
-                <a:prstClr val="black"/>
-              </a:solidFill>
-              <a:effectLst>
-                <a:glow rad="127000">
-                  <a:prstClr val="white"/>
-                </a:glow>
-              </a:effectLst>
-              <a:latin typeface="VNI-Bamas" pitchFamily="34" charset="0"/>
-            </a:endParaRPr>
+                <a:latin typeface="VNI-Times" pitchFamily="2" charset="0"/>
+              </a:rPr>
+              <a:t>TOÂN VINH CHUÙA  - THAÙNH CA 60</a:t>
+            </a:r>
           </a:p>
         </p:txBody>
       </p:sp>
@@ -1890,13 +1865,6 @@
       </p:transition>
     </mc:Fallback>
   </mc:AlternateContent>
-  <p:timing>
-    <p:tnLst>
-      <p:par>
-        <p:cTn id="1" dur="indefinite" restart="never" nodeType="tmRoot"/>
-      </p:par>
-    </p:tnLst>
-  </p:timing>
 </p:sld>
 </file>
 
@@ -1941,7 +1909,7 @@
           <a:p>
             <a:pPr algn="ctr"/>
             <a:r>
-              <a:rPr lang="en-US" sz="3300" smtClean="0">
+              <a:rPr lang="en-US" sz="3300" dirty="0">
                 <a:solidFill>
                   <a:srgbClr val="C00000"/>
                 </a:solidFill>
@@ -1950,7 +1918,7 @@
                     <a:prstClr val="white"/>
                   </a:glow>
                 </a:effectLst>
-                <a:latin typeface="HP-Kabel" pitchFamily="34" charset="0"/>
+                <a:latin typeface="VNI-Univer" pitchFamily="2" charset="0"/>
               </a:rPr>
               <a:t>THAÙNH CA 60 – THOAÏT ÑEÁN ÑEÂM NOÏ</a:t>
             </a:r>
@@ -2114,25 +2082,18 @@
   <p:clrMapOvr>
     <a:masterClrMapping/>
   </p:clrMapOvr>
-  <mc:AlternateContent xmlns:mc="http://schemas.openxmlformats.org/markup-compatibility/2006">
-    <mc:Choice xmlns:p14="http://schemas.microsoft.com/office/powerpoint/2010/main" Requires="p14">
+  <mc:AlternateContent xmlns:mc="http://schemas.openxmlformats.org/markup-compatibility/2006" xmlns:p14="http://schemas.microsoft.com/office/powerpoint/2010/main">
+    <mc:Choice Requires="p14">
       <p:transition spd="med" p14:dur="700">
         <p:fade/>
       </p:transition>
     </mc:Choice>
-    <mc:Fallback>
+    <mc:Fallback xmlns="">
       <p:transition spd="med">
         <p:fade/>
       </p:transition>
     </mc:Fallback>
   </mc:AlternateContent>
-  <p:timing>
-    <p:tnLst>
-      <p:par>
-        <p:cTn id="1" dur="indefinite" restart="never" nodeType="tmRoot"/>
-      </p:par>
-    </p:tnLst>
-  </p:timing>
 </p:sld>
 </file>
 
@@ -2177,7 +2138,7 @@
           <a:p>
             <a:pPr algn="ctr"/>
             <a:r>
-              <a:rPr lang="en-US" sz="3300" smtClean="0">
+              <a:rPr lang="en-US" sz="3300" dirty="0">
                 <a:solidFill>
                   <a:srgbClr val="C00000"/>
                 </a:solidFill>
@@ -2186,7 +2147,7 @@
                     <a:prstClr val="white"/>
                   </a:glow>
                 </a:effectLst>
-                <a:latin typeface="HP-Kabel" pitchFamily="34" charset="0"/>
+                <a:latin typeface="VNI-Univer" pitchFamily="2" charset="0"/>
               </a:rPr>
               <a:t>THAÙNH CA 60 – THOAÏT ÑEÁN ÑEÂM NOÏ</a:t>
             </a:r>
@@ -2340,21 +2301,6 @@
   <p:clrMapOvr>
     <a:masterClrMapping/>
   </p:clrMapOvr>
-  <mc:AlternateContent xmlns:mc="http://schemas.openxmlformats.org/markup-compatibility/2006" xmlns:p14="http://schemas.microsoft.com/office/powerpoint/2010/main">
-    <mc:Choice Requires="p14">
-      <p:transition p14:dur="0"/>
-    </mc:Choice>
-    <mc:Fallback xmlns="">
-      <p:transition/>
-    </mc:Fallback>
-  </mc:AlternateContent>
-  <p:timing>
-    <p:tnLst>
-      <p:par>
-        <p:cTn id="1" dur="indefinite" restart="never" nodeType="tmRoot"/>
-      </p:par>
-    </p:tnLst>
-  </p:timing>
 </p:sld>
 </file>
 
@@ -2399,7 +2345,7 @@
           <a:p>
             <a:pPr algn="ctr"/>
             <a:r>
-              <a:rPr lang="en-US" sz="3300" smtClean="0">
+              <a:rPr lang="en-US" sz="3300" dirty="0">
                 <a:solidFill>
                   <a:srgbClr val="C00000"/>
                 </a:solidFill>
@@ -2408,7 +2354,7 @@
                     <a:prstClr val="white"/>
                   </a:glow>
                 </a:effectLst>
-                <a:latin typeface="HP-Kabel" pitchFamily="34" charset="0"/>
+                <a:latin typeface="VNI-Univer" pitchFamily="2" charset="0"/>
               </a:rPr>
               <a:t>THAÙNH CA 60 – THOAÏT ÑEÁN ÑEÂM NOÏ</a:t>
             </a:r>
@@ -2511,18 +2457,8 @@
               </a:rPr>
               <a:t>giôø vaøng thoi </a:t>
             </a:r>
-            <a:r>
-              <a:rPr lang="en-US" smtClean="0">
-                <a:effectLst>
-                  <a:glow rad="127000">
-                    <a:prstClr val="white"/>
-                  </a:glow>
-                </a:effectLst>
-              </a:rPr>
-              <a:t/>
-            </a:r>
             <a:br>
-              <a:rPr lang="en-US" smtClean="0">
+              <a:rPr lang="en-US">
                 <a:effectLst>
                   <a:glow rad="127000">
                     <a:prstClr val="white"/>
@@ -2531,44 +2467,14 @@
               </a:rPr>
             </a:br>
             <a:r>
-              <a:rPr lang="en-US" smtClean="0">
-                <a:effectLst>
-                  <a:glow rad="127000">
-                    <a:prstClr val="white"/>
-                  </a:glow>
-                </a:effectLst>
-              </a:rPr>
-              <a:t>ñöa</a:t>
-            </a:r>
-            <a:r>
-              <a:rPr lang="en-US">
-                <a:effectLst>
-                  <a:glow rad="127000">
-                    <a:prstClr val="white"/>
-                  </a:glow>
-                </a:effectLst>
-              </a:rPr>
-              <a:t>, </a:t>
-            </a:r>
-            <a:r>
-              <a:rPr lang="en-US" smtClean="0">
-                <a:effectLst>
-                  <a:glow rad="127000">
-                    <a:prstClr val="white"/>
-                  </a:glow>
-                </a:effectLst>
-              </a:rPr>
-              <a:t>ñeán </a:t>
-            </a:r>
-            <a:r>
-              <a:rPr lang="en-US">
-                <a:effectLst>
-                  <a:glow rad="127000">
-                    <a:prstClr val="white"/>
-                  </a:glow>
-                </a:effectLst>
-              </a:rPr>
-              <a:t>ôù ai,</a:t>
+              <a:rPr lang="en-US">
+                <a:effectLst>
+                  <a:glow rad="127000">
+                    <a:prstClr val="white"/>
+                  </a:glow>
+                </a:effectLst>
+              </a:rPr>
+              <a:t>ñöa, ñeán ôù ai,</a:t>
             </a:r>
             <a:br>
               <a:rPr lang="en-US">
@@ -2602,21 +2508,6 @@
   <p:clrMapOvr>
     <a:masterClrMapping/>
   </p:clrMapOvr>
-  <mc:AlternateContent xmlns:mc="http://schemas.openxmlformats.org/markup-compatibility/2006" xmlns:p14="http://schemas.microsoft.com/office/powerpoint/2010/main">
-    <mc:Choice Requires="p14">
-      <p:transition p14:dur="0"/>
-    </mc:Choice>
-    <mc:Fallback xmlns="">
-      <p:transition/>
-    </mc:Fallback>
-  </mc:AlternateContent>
-  <p:timing>
-    <p:tnLst>
-      <p:par>
-        <p:cTn id="1" dur="indefinite" restart="never" nodeType="tmRoot"/>
-      </p:par>
-    </p:tnLst>
-  </p:timing>
 </p:sld>
 </file>
 
@@ -2661,7 +2552,7 @@
           <a:p>
             <a:pPr algn="ctr"/>
             <a:r>
-              <a:rPr lang="en-US" sz="3300" smtClean="0">
+              <a:rPr lang="en-US" sz="3300" dirty="0">
                 <a:solidFill>
                   <a:srgbClr val="C00000"/>
                 </a:solidFill>
@@ -2670,7 +2561,7 @@
                     <a:prstClr val="white"/>
                   </a:glow>
                 </a:effectLst>
-                <a:latin typeface="HP-Kabel" pitchFamily="34" charset="0"/>
+                <a:latin typeface="VNI-Univer" pitchFamily="2" charset="0"/>
               </a:rPr>
               <a:t>THAÙNH CA 60 – THOAÏT ÑEÁN ÑEÂM NOÏ</a:t>
             </a:r>
@@ -2754,18 +2645,8 @@
               </a:rPr>
               <a:t>Baïn khaù döøng böôùc </a:t>
             </a:r>
-            <a:r>
-              <a:rPr lang="en-US" smtClean="0">
-                <a:effectLst>
-                  <a:glow rad="127000">
-                    <a:prstClr val="white"/>
-                  </a:glow>
-                </a:effectLst>
-              </a:rPr>
-              <a:t/>
-            </a:r>
             <a:br>
-              <a:rPr lang="en-US" smtClean="0">
+              <a:rPr lang="en-US">
                 <a:effectLst>
                   <a:glow rad="127000">
                     <a:prstClr val="white"/>
@@ -2774,37 +2655,17 @@
               </a:rPr>
             </a:br>
             <a:r>
-              <a:rPr lang="en-US" smtClean="0">
-                <a:effectLst>
-                  <a:glow rad="127000">
-                    <a:prstClr val="white"/>
-                  </a:glow>
-                </a:effectLst>
-              </a:rPr>
-              <a:t>khoå </a:t>
-            </a:r>
-            <a:r>
-              <a:rPr lang="en-US">
-                <a:effectLst>
-                  <a:glow rad="127000">
-                    <a:prstClr val="white"/>
-                  </a:glow>
-                </a:effectLst>
-              </a:rPr>
-              <a:t>trình quay </a:t>
-            </a:r>
-            <a:r>
-              <a:rPr lang="en-US" smtClean="0">
-                <a:effectLst>
-                  <a:glow rad="127000">
-                    <a:prstClr val="white"/>
-                  </a:glow>
-                </a:effectLst>
-              </a:rPr>
-              <a:t/>
+              <a:rPr lang="en-US">
+                <a:effectLst>
+                  <a:glow rad="127000">
+                    <a:prstClr val="white"/>
+                  </a:glow>
+                </a:effectLst>
+              </a:rPr>
+              <a:t>khoå trình quay </a:t>
             </a:r>
             <a:br>
-              <a:rPr lang="en-US" smtClean="0">
+              <a:rPr lang="en-US">
                 <a:effectLst>
                   <a:glow rad="127000">
                     <a:prstClr val="white"/>
@@ -2813,44 +2674,14 @@
               </a:rPr>
             </a:br>
             <a:r>
-              <a:rPr lang="en-US" smtClean="0">
-                <a:effectLst>
-                  <a:glow rad="127000">
-                    <a:prstClr val="white"/>
-                  </a:glow>
-                </a:effectLst>
-              </a:rPr>
-              <a:t>ñaàu</a:t>
-            </a:r>
-            <a:r>
-              <a:rPr lang="en-US">
-                <a:effectLst>
-                  <a:glow rad="127000">
-                    <a:prstClr val="white"/>
-                  </a:glow>
-                </a:effectLst>
-              </a:rPr>
-              <a:t>, </a:t>
-            </a:r>
-            <a:r>
-              <a:rPr lang="en-US" smtClean="0">
-                <a:effectLst>
-                  <a:glow rad="127000">
-                    <a:prstClr val="white"/>
-                  </a:glow>
-                </a:effectLst>
-              </a:rPr>
-              <a:t>ñaëng </a:t>
-            </a:r>
-            <a:r>
-              <a:rPr lang="en-US">
-                <a:effectLst>
-                  <a:glow rad="127000">
-                    <a:prstClr val="white"/>
-                  </a:glow>
-                </a:effectLst>
-              </a:rPr>
-              <a:t>nghe </a:t>
+              <a:rPr lang="en-US">
+                <a:effectLst>
+                  <a:glow rad="127000">
+                    <a:prstClr val="white"/>
+                  </a:glow>
+                </a:effectLst>
+              </a:rPr>
+              <a:t>ñaàu, ñaëng nghe </a:t>
             </a:r>
             <a:br>
               <a:rPr lang="en-US">
@@ -2884,21 +2715,6 @@
   <p:clrMapOvr>
     <a:masterClrMapping/>
   </p:clrMapOvr>
-  <mc:AlternateContent xmlns:mc="http://schemas.openxmlformats.org/markup-compatibility/2006" xmlns:p14="http://schemas.microsoft.com/office/powerpoint/2010/main">
-    <mc:Choice Requires="p14">
-      <p:transition p14:dur="0"/>
-    </mc:Choice>
-    <mc:Fallback xmlns="">
-      <p:transition/>
-    </mc:Fallback>
-  </mc:AlternateContent>
-  <p:timing>
-    <p:tnLst>
-      <p:par>
-        <p:cTn id="1" dur="indefinite" restart="never" nodeType="tmRoot"/>
-      </p:par>
-    </p:tnLst>
-  </p:timing>
 </p:sld>
 </file>
 
@@ -2943,7 +2759,7 @@
           <a:p>
             <a:pPr algn="ctr"/>
             <a:r>
-              <a:rPr lang="en-US" sz="3300" smtClean="0">
+              <a:rPr lang="en-US" sz="3300" dirty="0">
                 <a:solidFill>
                   <a:srgbClr val="C00000"/>
                 </a:solidFill>
@@ -2952,7 +2768,7 @@
                     <a:prstClr val="white"/>
                   </a:glow>
                 </a:effectLst>
-                <a:latin typeface="HP-Kabel" pitchFamily="34" charset="0"/>
+                <a:latin typeface="VNI-Univer" pitchFamily="2" charset="0"/>
               </a:rPr>
               <a:t>THAÙNH CA 60 – THOAÏT ÑEÁN ÑEÂM NOÏ</a:t>
             </a:r>
@@ -3116,21 +2932,6 @@
   <p:clrMapOvr>
     <a:masterClrMapping/>
   </p:clrMapOvr>
-  <mc:AlternateContent xmlns:mc="http://schemas.openxmlformats.org/markup-compatibility/2006" xmlns:p14="http://schemas.microsoft.com/office/powerpoint/2010/main">
-    <mc:Choice Requires="p14">
-      <p:transition p14:dur="0"/>
-    </mc:Choice>
-    <mc:Fallback xmlns="">
-      <p:transition/>
-    </mc:Fallback>
-  </mc:AlternateContent>
-  <p:timing>
-    <p:tnLst>
-      <p:par>
-        <p:cTn id="1" dur="indefinite" restart="never" nodeType="tmRoot"/>
-      </p:par>
-    </p:tnLst>
-  </p:timing>
 </p:sld>
 </file>
 
@@ -3175,7 +2976,7 @@
           <a:p>
             <a:pPr algn="ctr"/>
             <a:r>
-              <a:rPr lang="en-US" sz="3300" smtClean="0">
+              <a:rPr lang="en-US" sz="3300" dirty="0">
                 <a:solidFill>
                   <a:srgbClr val="C00000"/>
                 </a:solidFill>
@@ -3184,7 +2985,7 @@
                     <a:prstClr val="white"/>
                   </a:glow>
                 </a:effectLst>
-                <a:latin typeface="HP-Kabel" pitchFamily="34" charset="0"/>
+                <a:latin typeface="VNI-Univer" pitchFamily="2" charset="0"/>
               </a:rPr>
               <a:t>THAÙNH CA 60 – THOAÏT ÑEÁN ÑEÂM NOÏ</a:t>
             </a:r>
@@ -3268,18 +3069,8 @@
               </a:rPr>
               <a:t>Leï baáy ngaøy thaùng </a:t>
             </a:r>
-            <a:r>
-              <a:rPr lang="en-US" smtClean="0">
-                <a:effectLst>
-                  <a:glow rad="127000">
-                    <a:prstClr val="white"/>
-                  </a:glow>
-                </a:effectLst>
-              </a:rPr>
-              <a:t/>
-            </a:r>
             <a:br>
-              <a:rPr lang="en-US" smtClean="0">
+              <a:rPr lang="en-US">
                 <a:effectLst>
                   <a:glow rad="127000">
                     <a:prstClr val="white"/>
@@ -3288,24 +3079,14 @@
               </a:rPr>
             </a:br>
             <a:r>
-              <a:rPr lang="en-US" smtClean="0">
-                <a:effectLst>
-                  <a:glow rad="127000">
-                    <a:prstClr val="white"/>
-                  </a:glow>
-                </a:effectLst>
-              </a:rPr>
-              <a:t>vuøn </a:t>
-            </a:r>
-            <a:r>
-              <a:rPr lang="en-US">
-                <a:effectLst>
-                  <a:glow rad="127000">
-                    <a:prstClr val="white"/>
-                  </a:glow>
-                </a:effectLst>
-              </a:rPr>
-              <a:t>vuït qua kìa, </a:t>
+              <a:rPr lang="en-US">
+                <a:effectLst>
+                  <a:glow rad="127000">
+                    <a:prstClr val="white"/>
+                  </a:glow>
+                </a:effectLst>
+              </a:rPr>
+              <a:t>vuøn vuït qua kìa, </a:t>
             </a:r>
             <a:br>
               <a:rPr lang="en-US">
@@ -3358,21 +3139,6 @@
   <p:clrMapOvr>
     <a:masterClrMapping/>
   </p:clrMapOvr>
-  <mc:AlternateContent xmlns:mc="http://schemas.openxmlformats.org/markup-compatibility/2006" xmlns:p14="http://schemas.microsoft.com/office/powerpoint/2010/main">
-    <mc:Choice Requires="p14">
-      <p:transition p14:dur="0"/>
-    </mc:Choice>
-    <mc:Fallback xmlns="">
-      <p:transition/>
-    </mc:Fallback>
-  </mc:AlternateContent>
-  <p:timing>
-    <p:tnLst>
-      <p:par>
-        <p:cTn id="1" dur="indefinite" restart="never" nodeType="tmRoot"/>
-      </p:par>
-    </p:tnLst>
-  </p:timing>
 </p:sld>
 </file>
 
@@ -3417,7 +3183,7 @@
           <a:p>
             <a:pPr algn="ctr"/>
             <a:r>
-              <a:rPr lang="en-US" sz="3300" smtClean="0">
+              <a:rPr lang="en-US" sz="3300" dirty="0">
                 <a:solidFill>
                   <a:srgbClr val="C00000"/>
                 </a:solidFill>
@@ -3426,7 +3192,7 @@
                     <a:prstClr val="white"/>
                   </a:glow>
                 </a:effectLst>
-                <a:latin typeface="HP-Kabel" pitchFamily="34" charset="0"/>
+                <a:latin typeface="VNI-Univer" pitchFamily="2" charset="0"/>
               </a:rPr>
               <a:t>THAÙNH CA 60 – THOAÏT ÑEÁN ÑEÂM NOÏ</a:t>
             </a:r>
@@ -3561,21 +3327,6 @@
   <p:clrMapOvr>
     <a:masterClrMapping/>
   </p:clrMapOvr>
-  <mc:AlternateContent xmlns:mc="http://schemas.openxmlformats.org/markup-compatibility/2006" xmlns:p14="http://schemas.microsoft.com/office/powerpoint/2010/main">
-    <mc:Choice Requires="p14">
-      <p:transition p14:dur="0"/>
-    </mc:Choice>
-    <mc:Fallback xmlns="">
-      <p:transition/>
-    </mc:Fallback>
-  </mc:AlternateContent>
-  <p:timing>
-    <p:tnLst>
-      <p:par>
-        <p:cTn id="1" dur="indefinite" restart="never" nodeType="tmRoot"/>
-      </p:par>
-    </p:tnLst>
-  </p:timing>
 </p:sld>
 </file>
 
@@ -3620,7 +3371,7 @@
           <a:p>
             <a:pPr algn="ctr"/>
             <a:r>
-              <a:rPr lang="en-US" sz="3300" smtClean="0">
+              <a:rPr lang="en-US" sz="3300" dirty="0">
                 <a:solidFill>
                   <a:srgbClr val="C00000"/>
                 </a:solidFill>
@@ -3629,7 +3380,7 @@
                     <a:prstClr val="white"/>
                   </a:glow>
                 </a:effectLst>
-                <a:latin typeface="HP-Kabel" pitchFamily="34" charset="0"/>
+                <a:latin typeface="VNI-Univer" pitchFamily="2" charset="0"/>
               </a:rPr>
               <a:t>THAÙNH CA 60 – THOAÏT ÑEÁN ÑEÂM NOÏ</a:t>
             </a:r>
@@ -3751,18 +3502,8 @@
               </a:rPr>
               <a:t>gioïng ca thieân söù </a:t>
             </a:r>
-            <a:r>
-              <a:rPr lang="en-US" smtClean="0">
-                <a:effectLst>
-                  <a:glow rad="127000">
-                    <a:prstClr val="white"/>
-                  </a:glow>
-                </a:effectLst>
-              </a:rPr>
-              <a:t/>
-            </a:r>
             <a:br>
-              <a:rPr lang="en-US" smtClean="0">
+              <a:rPr lang="en-US">
                 <a:effectLst>
                   <a:glow rad="127000">
                     <a:prstClr val="white"/>
@@ -3771,24 +3512,14 @@
               </a:rPr>
             </a:br>
             <a:r>
-              <a:rPr lang="en-US" smtClean="0">
-                <a:effectLst>
-                  <a:glow rad="127000">
-                    <a:prstClr val="white"/>
-                  </a:glow>
-                </a:effectLst>
-              </a:rPr>
-              <a:t>huøng </a:t>
-            </a:r>
-            <a:r>
-              <a:rPr lang="en-US">
-                <a:effectLst>
-                  <a:glow rad="127000">
-                    <a:prstClr val="white"/>
-                  </a:glow>
-                </a:effectLst>
-              </a:rPr>
-              <a:t>oai.</a:t>
+              <a:rPr lang="en-US">
+                <a:effectLst>
+                  <a:glow rad="127000">
+                    <a:prstClr val="white"/>
+                  </a:glow>
+                </a:effectLst>
+              </a:rPr>
+              <a:t>huøng oai.</a:t>
             </a:r>
           </a:p>
         </p:txBody>
@@ -3803,21 +3534,6 @@
   <p:clrMapOvr>
     <a:masterClrMapping/>
   </p:clrMapOvr>
-  <mc:AlternateContent xmlns:mc="http://schemas.openxmlformats.org/markup-compatibility/2006" xmlns:p14="http://schemas.microsoft.com/office/powerpoint/2010/main">
-    <mc:Choice Requires="p14">
-      <p:transition p14:dur="0"/>
-    </mc:Choice>
-    <mc:Fallback xmlns="">
-      <p:transition/>
-    </mc:Fallback>
-  </mc:AlternateContent>
-  <p:timing>
-    <p:tnLst>
-      <p:par>
-        <p:cTn id="1" dur="indefinite" restart="never" nodeType="tmRoot"/>
-      </p:par>
-    </p:tnLst>
-  </p:timing>
 </p:sld>
 </file>
 
@@ -3862,7 +3578,7 @@
           <a:p>
             <a:pPr algn="ctr"/>
             <a:r>
-              <a:rPr lang="en-US" sz="3300" smtClean="0">
+              <a:rPr lang="en-US" sz="3300" dirty="0">
                 <a:solidFill>
                   <a:srgbClr val="C00000"/>
                 </a:solidFill>
@@ -3871,7 +3587,7 @@
                     <a:prstClr val="white"/>
                   </a:glow>
                 </a:effectLst>
-                <a:latin typeface="HP-Kabel" pitchFamily="34" charset="0"/>
+                <a:latin typeface="VNI-Univer" pitchFamily="2" charset="0"/>
               </a:rPr>
               <a:t>THAÙNH CA 60 – THOAÏT ÑEÁN ÑEÂM NOÏ</a:t>
             </a:r>
@@ -4038,13 +3754,6 @@
   <p:transition spd="slow">
     <p:randomBar dir="vert"/>
   </p:transition>
-  <p:timing>
-    <p:tnLst>
-      <p:par>
-        <p:cTn id="1" dur="indefinite" restart="never" nodeType="tmRoot"/>
-      </p:par>
-    </p:tnLst>
-  </p:timing>
 </p:sld>
 </file>
 
@@ -4089,7 +3798,7 @@
           <a:p>
             <a:pPr algn="ctr"/>
             <a:r>
-              <a:rPr lang="en-US" sz="3300" smtClean="0">
+              <a:rPr lang="en-US" sz="3300" dirty="0">
                 <a:solidFill>
                   <a:srgbClr val="C00000"/>
                 </a:solidFill>
@@ -4098,7 +3807,7 @@
                     <a:prstClr val="white"/>
                   </a:glow>
                 </a:effectLst>
-                <a:latin typeface="HP-Kabel" pitchFamily="34" charset="0"/>
+                <a:latin typeface="VNI-Univer" pitchFamily="2" charset="0"/>
               </a:rPr>
               <a:t>THAÙNH CA 60 – THOAÏT ÑEÁN ÑEÂM NOÏ</a:t>
             </a:r>
@@ -4180,60 +3889,10 @@
                   </a:glow>
                 </a:effectLst>
               </a:rPr>
-              <a:t>Daïo khuùc traàm </a:t>
-            </a:r>
-            <a:r>
-              <a:rPr lang="en-US" smtClean="0">
-                <a:effectLst>
-                  <a:glow rad="127000">
-                    <a:prstClr val="white"/>
-                  </a:glow>
-                </a:effectLst>
-              </a:rPr>
-              <a:t>boång </a:t>
-            </a:r>
-            <a:r>
-              <a:rPr lang="en-US">
-                <a:effectLst>
-                  <a:glow rad="127000">
-                    <a:prstClr val="white"/>
-                  </a:glow>
-                </a:effectLst>
-              </a:rPr>
-              <a:t>giai ñieäu </a:t>
-            </a:r>
-            <a:r>
-              <a:rPr lang="en-US" smtClean="0">
-                <a:effectLst>
-                  <a:glow rad="127000">
-                    <a:prstClr val="white"/>
-                  </a:glow>
-                </a:effectLst>
-              </a:rPr>
-              <a:t>ly </a:t>
-            </a:r>
-            <a:r>
-              <a:rPr lang="en-US">
-                <a:effectLst>
-                  <a:glow rad="127000">
-                    <a:prstClr val="white"/>
-                  </a:glow>
-                </a:effectLst>
-              </a:rPr>
-              <a:t>kyø, </a:t>
-            </a:r>
-            <a:r>
-              <a:rPr lang="en-US" smtClean="0">
-                <a:effectLst>
-                  <a:glow rad="127000">
-                    <a:prstClr val="white"/>
-                  </a:glow>
-                </a:effectLst>
-              </a:rPr>
-              <a:t/>
+              <a:t>Daïo khuùc traàm boång giai ñieäu ly kyø, </a:t>
             </a:r>
             <a:br>
-              <a:rPr lang="en-US" smtClean="0">
+              <a:rPr lang="en-US">
                 <a:effectLst>
                   <a:glow rad="127000">
                     <a:prstClr val="white"/>
@@ -4242,24 +3901,14 @@
               </a:rPr>
             </a:br>
             <a:r>
-              <a:rPr lang="en-US" smtClean="0">
-                <a:effectLst>
-                  <a:glow rad="127000">
-                    <a:prstClr val="white"/>
-                  </a:glow>
-                </a:effectLst>
-              </a:rPr>
-              <a:t>thaàn </a:t>
-            </a:r>
-            <a:r>
-              <a:rPr lang="en-US">
-                <a:effectLst>
-                  <a:glow rad="127000">
-                    <a:prstClr val="white"/>
-                  </a:glow>
-                </a:effectLst>
-              </a:rPr>
-              <a:t>binh ca </a:t>
+              <a:rPr lang="en-US">
+                <a:effectLst>
+                  <a:glow rad="127000">
+                    <a:prstClr val="white"/>
+                  </a:glow>
+                </a:effectLst>
+              </a:rPr>
+              <a:t>thaàn binh ca </a:t>
             </a:r>
             <a:br>
               <a:rPr lang="en-US">
@@ -4293,21 +3942,6 @@
   <p:clrMapOvr>
     <a:masterClrMapping/>
   </p:clrMapOvr>
-  <mc:AlternateContent xmlns:mc="http://schemas.openxmlformats.org/markup-compatibility/2006" xmlns:p14="http://schemas.microsoft.com/office/powerpoint/2010/main">
-    <mc:Choice Requires="p14">
-      <p:transition p14:dur="0"/>
-    </mc:Choice>
-    <mc:Fallback xmlns="">
-      <p:transition/>
-    </mc:Fallback>
-  </mc:AlternateContent>
-  <p:timing>
-    <p:tnLst>
-      <p:par>
-        <p:cTn id="1" dur="indefinite" restart="never" nodeType="tmRoot"/>
-      </p:par>
-    </p:tnLst>
-  </p:timing>
 </p:sld>
 </file>
 
@@ -4352,7 +3986,7 @@
           <a:p>
             <a:pPr algn="ctr"/>
             <a:r>
-              <a:rPr lang="en-US" sz="3300" smtClean="0">
+              <a:rPr lang="en-US" sz="3300" dirty="0">
                 <a:solidFill>
                   <a:srgbClr val="C00000"/>
                 </a:solidFill>
@@ -4361,7 +3995,7 @@
                     <a:prstClr val="white"/>
                   </a:glow>
                 </a:effectLst>
-                <a:latin typeface="HP-Kabel" pitchFamily="34" charset="0"/>
+                <a:latin typeface="VNI-Univer" pitchFamily="2" charset="0"/>
               </a:rPr>
               <a:t>THAÙNH CA 60 – THOAÏT ÑEÁN ÑEÂM NOÏ</a:t>
             </a:r>
@@ -4458,21 +4092,6 @@
   <p:clrMapOvr>
     <a:masterClrMapping/>
   </p:clrMapOvr>
-  <mc:AlternateContent xmlns:mc="http://schemas.openxmlformats.org/markup-compatibility/2006" xmlns:p14="http://schemas.microsoft.com/office/powerpoint/2010/main">
-    <mc:Choice Requires="p14">
-      <p:transition p14:dur="0"/>
-    </mc:Choice>
-    <mc:Fallback xmlns="">
-      <p:transition/>
-    </mc:Fallback>
-  </mc:AlternateContent>
-  <p:timing>
-    <p:tnLst>
-      <p:par>
-        <p:cTn id="1" dur="indefinite" restart="never" nodeType="tmRoot"/>
-      </p:par>
-    </p:tnLst>
-  </p:timing>
 </p:sld>
 </file>
 
@@ -4517,7 +4136,7 @@
           <a:p>
             <a:pPr algn="ctr"/>
             <a:r>
-              <a:rPr lang="en-US" sz="3300" smtClean="0">
+              <a:rPr lang="en-US" sz="3300" dirty="0">
                 <a:solidFill>
                   <a:srgbClr val="C00000"/>
                 </a:solidFill>
@@ -4526,7 +4145,7 @@
                     <a:prstClr val="white"/>
                   </a:glow>
                 </a:effectLst>
-                <a:latin typeface="HP-Kabel" pitchFamily="34" charset="0"/>
+                <a:latin typeface="VNI-Univer" pitchFamily="2" charset="0"/>
               </a:rPr>
               <a:t>THAÙNH CA 60 – THOAÏT ÑEÁN ÑEÂM NOÏ</a:t>
             </a:r>
@@ -4610,18 +4229,8 @@
               </a:rPr>
               <a:t>Thaät choán traàn baáy </a:t>
             </a:r>
-            <a:r>
-              <a:rPr lang="en-US" smtClean="0">
-                <a:effectLst>
-                  <a:glow rad="127000">
-                    <a:prstClr val="white"/>
-                  </a:glow>
-                </a:effectLst>
-              </a:rPr>
-              <a:t/>
-            </a:r>
             <a:br>
-              <a:rPr lang="en-US" smtClean="0">
+              <a:rPr lang="en-US">
                 <a:effectLst>
                   <a:glow rad="127000">
                     <a:prstClr val="white"/>
@@ -4630,37 +4239,17 @@
               </a:rPr>
             </a:br>
             <a:r>
-              <a:rPr lang="en-US" smtClean="0">
-                <a:effectLst>
-                  <a:glow rad="127000">
-                    <a:prstClr val="white"/>
-                  </a:glow>
-                </a:effectLst>
-              </a:rPr>
-              <a:t>giôø </a:t>
-            </a:r>
-            <a:r>
-              <a:rPr lang="en-US">
-                <a:effectLst>
-                  <a:glow rad="127000">
-                    <a:prstClr val="white"/>
-                  </a:glow>
-                </a:effectLst>
-              </a:rPr>
-              <a:t>tònh döôøng naøo, </a:t>
-            </a:r>
-            <a:r>
-              <a:rPr lang="en-US" smtClean="0">
-                <a:effectLst>
-                  <a:glow rad="127000">
-                    <a:prstClr val="white"/>
-                  </a:glow>
-                </a:effectLst>
-              </a:rPr>
-              <a:t/>
+              <a:rPr lang="en-US">
+                <a:effectLst>
+                  <a:glow rad="127000">
+                    <a:prstClr val="white"/>
+                  </a:glow>
+                </a:effectLst>
+              </a:rPr>
+              <a:t>giôø tònh döôøng naøo, </a:t>
             </a:r>
             <a:br>
-              <a:rPr lang="en-US" smtClean="0">
+              <a:rPr lang="en-US">
                 <a:effectLst>
                   <a:glow rad="127000">
                     <a:prstClr val="white"/>
@@ -4669,37 +4258,17 @@
               </a:rPr>
             </a:br>
             <a:r>
-              <a:rPr lang="en-US" smtClean="0">
-                <a:effectLst>
-                  <a:glow rad="127000">
-                    <a:prstClr val="white"/>
-                  </a:glow>
-                </a:effectLst>
-              </a:rPr>
-              <a:t>laëng </a:t>
-            </a:r>
-            <a:r>
-              <a:rPr lang="en-US">
-                <a:effectLst>
-                  <a:glow rad="127000">
-                    <a:prstClr val="white"/>
-                  </a:glow>
-                </a:effectLst>
-              </a:rPr>
-              <a:t>nghe </a:t>
-            </a:r>
-            <a:r>
-              <a:rPr lang="en-US" smtClean="0">
-                <a:effectLst>
-                  <a:glow rad="127000">
-                    <a:prstClr val="white"/>
-                  </a:glow>
-                </a:effectLst>
-              </a:rPr>
-              <a:t>thieân </a:t>
+              <a:rPr lang="en-US">
+                <a:effectLst>
+                  <a:glow rad="127000">
+                    <a:prstClr val="white"/>
+                  </a:glow>
+                </a:effectLst>
+              </a:rPr>
+              <a:t>laëng nghe thieân </a:t>
             </a:r>
             <a:br>
-              <a:rPr lang="en-US" smtClean="0">
+              <a:rPr lang="en-US">
                 <a:effectLst>
                   <a:glow rad="127000">
                     <a:prstClr val="white"/>
@@ -4708,24 +4277,14 @@
               </a:rPr>
             </a:br>
             <a:r>
-              <a:rPr lang="en-US" smtClean="0">
-                <a:effectLst>
-                  <a:glow rad="127000">
-                    <a:prstClr val="white"/>
-                  </a:glow>
-                </a:effectLst>
-              </a:rPr>
-              <a:t>söù </a:t>
-            </a:r>
-            <a:r>
-              <a:rPr lang="en-US">
-                <a:effectLst>
-                  <a:glow rad="127000">
-                    <a:prstClr val="white"/>
-                  </a:glow>
-                </a:effectLst>
-              </a:rPr>
-              <a:t>tuïng ca. </a:t>
+              <a:rPr lang="en-US">
+                <a:effectLst>
+                  <a:glow rad="127000">
+                    <a:prstClr val="white"/>
+                  </a:glow>
+                </a:effectLst>
+              </a:rPr>
+              <a:t>söù tuïng ca. </a:t>
             </a:r>
           </a:p>
         </p:txBody>
@@ -4740,21 +4299,6 @@
   <p:clrMapOvr>
     <a:masterClrMapping/>
   </p:clrMapOvr>
-  <mc:AlternateContent xmlns:mc="http://schemas.openxmlformats.org/markup-compatibility/2006" xmlns:p14="http://schemas.microsoft.com/office/powerpoint/2010/main">
-    <mc:Choice Requires="p14">
-      <p:transition p14:dur="0"/>
-    </mc:Choice>
-    <mc:Fallback xmlns="">
-      <p:transition/>
-    </mc:Fallback>
-  </mc:AlternateContent>
-  <p:timing>
-    <p:tnLst>
-      <p:par>
-        <p:cTn id="1" dur="indefinite" restart="never" nodeType="tmRoot"/>
-      </p:par>
-    </p:tnLst>
-  </p:timing>
 </p:sld>
 </file>
 
@@ -4799,7 +4343,7 @@
           <a:p>
             <a:pPr algn="ctr"/>
             <a:r>
-              <a:rPr lang="en-US" sz="3300" smtClean="0">
+              <a:rPr lang="en-US" sz="3300" dirty="0">
                 <a:solidFill>
                   <a:srgbClr val="C00000"/>
                 </a:solidFill>
@@ -4808,7 +4352,7 @@
                     <a:prstClr val="white"/>
                   </a:glow>
                 </a:effectLst>
-                <a:latin typeface="HP-Kabel" pitchFamily="34" charset="0"/>
+                <a:latin typeface="VNI-Univer" pitchFamily="2" charset="0"/>
               </a:rPr>
               <a:t>THAÙNH CA 60 – THOAÏT ÑEÁN ÑEÂM NOÏ</a:t>
             </a:r>
@@ -4902,18 +4446,8 @@
               </a:rPr>
               <a:t>Rôïp ñaát thieân söù </a:t>
             </a:r>
-            <a:r>
-              <a:rPr lang="en-US" smtClean="0">
-                <a:effectLst>
-                  <a:glow rad="127000">
-                    <a:prstClr val="white"/>
-                  </a:glow>
-                </a:effectLst>
-              </a:rPr>
-              <a:t/>
-            </a:r>
             <a:br>
-              <a:rPr lang="en-US" smtClean="0">
+              <a:rPr lang="en-US">
                 <a:effectLst>
                   <a:glow rad="127000">
                     <a:prstClr val="white"/>
@@ -4922,24 +4456,14 @@
               </a:rPr>
             </a:br>
             <a:r>
-              <a:rPr lang="en-US" smtClean="0">
-                <a:effectLst>
-                  <a:glow rad="127000">
-                    <a:prstClr val="white"/>
-                  </a:glow>
-                </a:effectLst>
-              </a:rPr>
-              <a:t>bay löôïn </a:t>
-            </a:r>
-            <a:r>
-              <a:rPr lang="en-US">
-                <a:effectLst>
-                  <a:glow rad="127000">
-                    <a:prstClr val="white"/>
-                  </a:glow>
-                </a:effectLst>
-              </a:rPr>
-              <a:t>nheï nhaøng,</a:t>
+              <a:rPr lang="en-US">
+                <a:effectLst>
+                  <a:glow rad="127000">
+                    <a:prstClr val="white"/>
+                  </a:glow>
+                </a:effectLst>
+              </a:rPr>
+              <a:t>bay löôïn nheï nhaøng,</a:t>
             </a:r>
             <a:br>
               <a:rPr lang="en-US">
@@ -4992,21 +4516,6 @@
   <p:clrMapOvr>
     <a:masterClrMapping/>
   </p:clrMapOvr>
-  <mc:AlternateContent xmlns:mc="http://schemas.openxmlformats.org/markup-compatibility/2006" xmlns:p14="http://schemas.microsoft.com/office/powerpoint/2010/main">
-    <mc:Choice Requires="p14">
-      <p:transition p14:dur="0"/>
-    </mc:Choice>
-    <mc:Fallback xmlns="">
-      <p:transition/>
-    </mc:Fallback>
-  </mc:AlternateContent>
-  <p:timing>
-    <p:tnLst>
-      <p:par>
-        <p:cTn id="1" dur="indefinite" restart="never" nodeType="tmRoot"/>
-      </p:par>
-    </p:tnLst>
-  </p:timing>
 </p:sld>
 </file>
 
@@ -5051,7 +4560,7 @@
           <a:p>
             <a:pPr algn="ctr"/>
             <a:r>
-              <a:rPr lang="en-US" sz="3300" smtClean="0">
+              <a:rPr lang="en-US" sz="3300" dirty="0">
                 <a:solidFill>
                   <a:srgbClr val="C00000"/>
                 </a:solidFill>
@@ -5060,7 +4569,7 @@
                     <a:prstClr val="white"/>
                   </a:glow>
                 </a:effectLst>
-                <a:latin typeface="HP-Kabel" pitchFamily="34" charset="0"/>
+                <a:latin typeface="VNI-Univer" pitchFamily="2" charset="0"/>
               </a:rPr>
               <a:t>THAÙNH CA 60 – THOAÏT ÑEÁN ÑEÂM NOÏ</a:t>
             </a:r>
@@ -5195,21 +4704,6 @@
   <p:clrMapOvr>
     <a:masterClrMapping/>
   </p:clrMapOvr>
-  <mc:AlternateContent xmlns:mc="http://schemas.openxmlformats.org/markup-compatibility/2006" xmlns:p14="http://schemas.microsoft.com/office/powerpoint/2010/main">
-    <mc:Choice Requires="p14">
-      <p:transition p14:dur="0"/>
-    </mc:Choice>
-    <mc:Fallback xmlns="">
-      <p:transition/>
-    </mc:Fallback>
-  </mc:AlternateContent>
-  <p:timing>
-    <p:tnLst>
-      <p:par>
-        <p:cTn id="1" dur="indefinite" restart="never" nodeType="tmRoot"/>
-      </p:par>
-    </p:tnLst>
-  </p:timing>
 </p:sld>
 </file>
 
@@ -5254,7 +4748,7 @@
           <a:p>
             <a:pPr algn="ctr"/>
             <a:r>
-              <a:rPr lang="en-US" sz="3300" smtClean="0">
+              <a:rPr lang="en-US" sz="3300" dirty="0">
                 <a:solidFill>
                   <a:srgbClr val="C00000"/>
                 </a:solidFill>
@@ -5263,7 +4757,7 @@
                     <a:prstClr val="white"/>
                   </a:glow>
                 </a:effectLst>
-                <a:latin typeface="HP-Kabel" pitchFamily="34" charset="0"/>
+                <a:latin typeface="VNI-Univer" pitchFamily="2" charset="0"/>
               </a:rPr>
               <a:t>THAÙNH CA 60 – THOAÏT ÑEÁN ÑEÂM NOÏ</a:t>
             </a:r>
@@ -5366,18 +4860,8 @@
               </a:rPr>
               <a:t>taïi mieàn nhaân gian, </a:t>
             </a:r>
-            <a:r>
-              <a:rPr lang="en-US" smtClean="0">
-                <a:effectLst>
-                  <a:glow rad="127000">
-                    <a:prstClr val="white"/>
-                  </a:glow>
-                </a:effectLst>
-              </a:rPr>
-              <a:t/>
-            </a:r>
             <a:br>
-              <a:rPr lang="en-US" smtClean="0">
+              <a:rPr lang="en-US">
                 <a:effectLst>
                   <a:glow rad="127000">
                     <a:prstClr val="white"/>
@@ -5386,37 +4870,17 @@
               </a:rPr>
             </a:br>
             <a:r>
-              <a:rPr lang="en-US" smtClean="0">
-                <a:effectLst>
-                  <a:glow rad="127000">
-                    <a:prstClr val="white"/>
-                  </a:glow>
-                </a:effectLst>
-              </a:rPr>
-              <a:t>söù </a:t>
-            </a:r>
-            <a:r>
-              <a:rPr lang="en-US">
-                <a:effectLst>
-                  <a:glow rad="127000">
-                    <a:prstClr val="white"/>
-                  </a:glow>
-                </a:effectLst>
-              </a:rPr>
-              <a:t>thaùnh cung </a:t>
-            </a:r>
-            <a:r>
-              <a:rPr lang="en-US" smtClean="0">
-                <a:effectLst>
-                  <a:glow rad="127000">
-                    <a:prstClr val="white"/>
-                  </a:glow>
-                </a:effectLst>
-              </a:rPr>
-              <a:t/>
+              <a:rPr lang="en-US">
+                <a:effectLst>
+                  <a:glow rad="127000">
+                    <a:prstClr val="white"/>
+                  </a:glow>
+                </a:effectLst>
+              </a:rPr>
+              <a:t>söù thaùnh cung </a:t>
             </a:r>
             <a:br>
-              <a:rPr lang="en-US" smtClean="0">
+              <a:rPr lang="en-US">
                 <a:effectLst>
                   <a:glow rad="127000">
                     <a:prstClr val="white"/>
@@ -5425,24 +4889,14 @@
               </a:rPr>
             </a:br>
             <a:r>
-              <a:rPr lang="en-US" smtClean="0">
-                <a:effectLst>
-                  <a:glow rad="127000">
-                    <a:prstClr val="white"/>
-                  </a:glow>
-                </a:effectLst>
-              </a:rPr>
-              <a:t>kính </a:t>
-            </a:r>
-            <a:r>
-              <a:rPr lang="en-US">
-                <a:effectLst>
-                  <a:glow rad="127000">
-                    <a:prstClr val="white"/>
-                  </a:glow>
-                </a:effectLst>
-              </a:rPr>
-              <a:t>bay laø.</a:t>
+              <a:rPr lang="en-US">
+                <a:effectLst>
+                  <a:glow rad="127000">
+                    <a:prstClr val="white"/>
+                  </a:glow>
+                </a:effectLst>
+              </a:rPr>
+              <a:t>kính bay laø.</a:t>
             </a:r>
           </a:p>
         </p:txBody>
@@ -5457,21 +4911,6 @@
   <p:clrMapOvr>
     <a:masterClrMapping/>
   </p:clrMapOvr>
-  <mc:AlternateContent xmlns:mc="http://schemas.openxmlformats.org/markup-compatibility/2006" xmlns:p14="http://schemas.microsoft.com/office/powerpoint/2010/main">
-    <mc:Choice Requires="p14">
-      <p:transition p14:dur="0"/>
-    </mc:Choice>
-    <mc:Fallback xmlns="">
-      <p:transition/>
-    </mc:Fallback>
-  </mc:AlternateContent>
-  <p:timing>
-    <p:tnLst>
-      <p:par>
-        <p:cTn id="1" dur="indefinite" restart="never" nodeType="tmRoot"/>
-      </p:par>
-    </p:tnLst>
-  </p:timing>
 </p:sld>
 </file>
 
@@ -5516,7 +4955,7 @@
           <a:p>
             <a:pPr algn="ctr"/>
             <a:r>
-              <a:rPr lang="en-US" sz="3300" smtClean="0">
+              <a:rPr lang="en-US" sz="3300" dirty="0">
                 <a:solidFill>
                   <a:srgbClr val="C00000"/>
                 </a:solidFill>
@@ -5525,7 +4964,7 @@
                     <a:prstClr val="white"/>
                   </a:glow>
                 </a:effectLst>
-                <a:latin typeface="HP-Kabel" pitchFamily="34" charset="0"/>
+                <a:latin typeface="VNI-Univer" pitchFamily="2" charset="0"/>
               </a:rPr>
               <a:t>THAÙNH CA 60 – THOAÏT ÑEÁN ÑEÂM NOÏ</a:t>
             </a:r>
@@ -5647,18 +5086,8 @@
               </a:rPr>
               <a:t>oàn aøo, hoï vui reo </a:t>
             </a:r>
-            <a:r>
-              <a:rPr lang="en-US" smtClean="0">
-                <a:effectLst>
-                  <a:glow rad="127000">
-                    <a:prstClr val="white"/>
-                  </a:glow>
-                </a:effectLst>
-              </a:rPr>
-              <a:t/>
-            </a:r>
             <a:br>
-              <a:rPr lang="en-US" smtClean="0">
+              <a:rPr lang="en-US">
                 <a:effectLst>
                   <a:glow rad="127000">
                     <a:prstClr val="white"/>
@@ -5667,24 +5096,14 @@
               </a:rPr>
             </a:br>
             <a:r>
-              <a:rPr lang="en-US" smtClean="0">
-                <a:effectLst>
-                  <a:glow rad="127000">
-                    <a:prstClr val="white"/>
-                  </a:glow>
-                </a:effectLst>
-              </a:rPr>
-              <a:t>tieáng </a:t>
-            </a:r>
-            <a:r>
-              <a:rPr lang="en-US">
-                <a:effectLst>
-                  <a:glow rad="127000">
-                    <a:prstClr val="white"/>
-                  </a:glow>
-                </a:effectLst>
-              </a:rPr>
-              <a:t>ñoàng ca.</a:t>
+              <a:rPr lang="en-US">
+                <a:effectLst>
+                  <a:glow rad="127000">
+                    <a:prstClr val="white"/>
+                  </a:glow>
+                </a:effectLst>
+              </a:rPr>
+              <a:t>tieáng ñoàng ca.</a:t>
             </a:r>
           </a:p>
         </p:txBody>
@@ -5699,21 +5118,6 @@
   <p:clrMapOvr>
     <a:masterClrMapping/>
   </p:clrMapOvr>
-  <mc:AlternateContent xmlns:mc="http://schemas.openxmlformats.org/markup-compatibility/2006" xmlns:p14="http://schemas.microsoft.com/office/powerpoint/2010/main">
-    <mc:Choice Requires="p14">
-      <p:transition p14:dur="0"/>
-    </mc:Choice>
-    <mc:Fallback xmlns="">
-      <p:transition/>
-    </mc:Fallback>
-  </mc:AlternateContent>
-  <p:timing>
-    <p:tnLst>
-      <p:par>
-        <p:cTn id="1" dur="indefinite" restart="never" nodeType="tmRoot"/>
-      </p:par>
-    </p:tnLst>
-  </p:timing>
 </p:sld>
 </file>
 
